--- a/References/str_package.pptx
+++ b/References/str_package.pptx
@@ -285,7 +285,7 @@
           <a:p>
             <a:fld id="{36DBD233-0917-484E-ADEA-6BB5DA0FBA71}" type="datetimeFigureOut">
               <a:rPr lang="en-US" smtClean="0"/>
-              <a:t>4/11/22</a:t>
+              <a:t>4/18/22</a:t>
             </a:fld>
             <a:endParaRPr lang="en-US"/>
           </a:p>
@@ -483,7 +483,7 @@
           <a:p>
             <a:fld id="{36DBD233-0917-484E-ADEA-6BB5DA0FBA71}" type="datetimeFigureOut">
               <a:rPr lang="en-US" smtClean="0"/>
-              <a:t>4/11/22</a:t>
+              <a:t>4/18/22</a:t>
             </a:fld>
             <a:endParaRPr lang="en-US"/>
           </a:p>
@@ -691,7 +691,7 @@
           <a:p>
             <a:fld id="{36DBD233-0917-484E-ADEA-6BB5DA0FBA71}" type="datetimeFigureOut">
               <a:rPr lang="en-US" smtClean="0"/>
-              <a:t>4/11/22</a:t>
+              <a:t>4/18/22</a:t>
             </a:fld>
             <a:endParaRPr lang="en-US"/>
           </a:p>
@@ -889,7 +889,7 @@
           <a:p>
             <a:fld id="{36DBD233-0917-484E-ADEA-6BB5DA0FBA71}" type="datetimeFigureOut">
               <a:rPr lang="en-US" smtClean="0"/>
-              <a:t>4/11/22</a:t>
+              <a:t>4/18/22</a:t>
             </a:fld>
             <a:endParaRPr lang="en-US"/>
           </a:p>
@@ -1164,7 +1164,7 @@
           <a:p>
             <a:fld id="{36DBD233-0917-484E-ADEA-6BB5DA0FBA71}" type="datetimeFigureOut">
               <a:rPr lang="en-US" smtClean="0"/>
-              <a:t>4/11/22</a:t>
+              <a:t>4/18/22</a:t>
             </a:fld>
             <a:endParaRPr lang="en-US"/>
           </a:p>
@@ -1429,7 +1429,7 @@
           <a:p>
             <a:fld id="{36DBD233-0917-484E-ADEA-6BB5DA0FBA71}" type="datetimeFigureOut">
               <a:rPr lang="en-US" smtClean="0"/>
-              <a:t>4/11/22</a:t>
+              <a:t>4/18/22</a:t>
             </a:fld>
             <a:endParaRPr lang="en-US"/>
           </a:p>
@@ -1841,7 +1841,7 @@
           <a:p>
             <a:fld id="{36DBD233-0917-484E-ADEA-6BB5DA0FBA71}" type="datetimeFigureOut">
               <a:rPr lang="en-US" smtClean="0"/>
-              <a:t>4/11/22</a:t>
+              <a:t>4/18/22</a:t>
             </a:fld>
             <a:endParaRPr lang="en-US"/>
           </a:p>
@@ -1982,7 +1982,7 @@
           <a:p>
             <a:fld id="{36DBD233-0917-484E-ADEA-6BB5DA0FBA71}" type="datetimeFigureOut">
               <a:rPr lang="en-US" smtClean="0"/>
-              <a:t>4/11/22</a:t>
+              <a:t>4/18/22</a:t>
             </a:fld>
             <a:endParaRPr lang="en-US"/>
           </a:p>
@@ -2095,7 +2095,7 @@
           <a:p>
             <a:fld id="{36DBD233-0917-484E-ADEA-6BB5DA0FBA71}" type="datetimeFigureOut">
               <a:rPr lang="en-US" smtClean="0"/>
-              <a:t>4/11/22</a:t>
+              <a:t>4/18/22</a:t>
             </a:fld>
             <a:endParaRPr lang="en-US"/>
           </a:p>
@@ -2406,7 +2406,7 @@
           <a:p>
             <a:fld id="{36DBD233-0917-484E-ADEA-6BB5DA0FBA71}" type="datetimeFigureOut">
               <a:rPr lang="en-US" smtClean="0"/>
-              <a:t>4/11/22</a:t>
+              <a:t>4/18/22</a:t>
             </a:fld>
             <a:endParaRPr lang="en-US"/>
           </a:p>
@@ -2694,7 +2694,7 @@
           <a:p>
             <a:fld id="{36DBD233-0917-484E-ADEA-6BB5DA0FBA71}" type="datetimeFigureOut">
               <a:rPr lang="en-US" smtClean="0"/>
-              <a:t>4/11/22</a:t>
+              <a:t>4/18/22</a:t>
             </a:fld>
             <a:endParaRPr lang="en-US"/>
           </a:p>
@@ -2935,7 +2935,7 @@
           <a:p>
             <a:fld id="{36DBD233-0917-484E-ADEA-6BB5DA0FBA71}" type="datetimeFigureOut">
               <a:rPr lang="en-US" smtClean="0"/>
-              <a:t>4/11/22</a:t>
+              <a:t>4/18/22</a:t>
             </a:fld>
             <a:endParaRPr lang="en-US"/>
           </a:p>
@@ -5259,6 +5259,80 @@
               <a:buNone/>
             </a:pPr>
             <a:r>
+              <a:rPr lang="en-US" sz="1800" dirty="0" err="1">
+                <a:solidFill>
+                  <a:srgbClr val="7030A0"/>
+                </a:solidFill>
+              </a:rPr>
+              <a:t>nseg</a:t>
+            </a:r>
+            <a:r>
+              <a:rPr lang="en-US" sz="1800" dirty="0">
+                <a:solidFill>
+                  <a:srgbClr val="7030A0"/>
+                </a:solidFill>
+              </a:rPr>
+              <a:t> </a:t>
+            </a:r>
+            <a:r>
+              <a:rPr lang="en-US" sz="1800" dirty="0"/>
+              <a:t>= 3 </a:t>
+            </a:r>
+            <a:r>
+              <a:rPr lang="en-US" sz="1800" dirty="0">
+                <a:solidFill>
+                  <a:schemeClr val="accent5">
+                    <a:lumMod val="75000"/>
+                  </a:schemeClr>
+                </a:solidFill>
+              </a:rPr>
+              <a:t># number of segments</a:t>
+            </a:r>
+          </a:p>
+          <a:p>
+            <a:pPr marL="0" indent="0">
+              <a:lnSpc>
+                <a:spcPct val="120000"/>
+              </a:lnSpc>
+              <a:spcBef>
+                <a:spcPts val="0"/>
+              </a:spcBef>
+              <a:buNone/>
+            </a:pPr>
+            <a:r>
+              <a:rPr lang="en-US" sz="1800" dirty="0" err="1">
+                <a:solidFill>
+                  <a:srgbClr val="7030A0"/>
+                </a:solidFill>
+              </a:rPr>
+              <a:t>ntrib</a:t>
+            </a:r>
+            <a:r>
+              <a:rPr lang="en-US" sz="1800" dirty="0"/>
+              <a:t>=2 </a:t>
+            </a:r>
+            <a:r>
+              <a:rPr lang="en-US" sz="1800" dirty="0">
+                <a:solidFill>
+                  <a:schemeClr val="accent5">
+                    <a:lumMod val="75000"/>
+                  </a:schemeClr>
+                </a:solidFill>
+              </a:rPr>
+              <a:t># two tributaries (for return flow &amp; upstream section)</a:t>
+            </a:r>
+          </a:p>
+          <a:p>
+            <a:pPr marL="0" indent="0">
+              <a:lnSpc>
+                <a:spcPct val="120000"/>
+              </a:lnSpc>
+              <a:spcBef>
+                <a:spcPts val="0"/>
+              </a:spcBef>
+              <a:buNone/>
+            </a:pPr>
+            <a:r>
               <a:rPr lang="en-US" sz="1800" dirty="0">
                 <a:solidFill>
                   <a:srgbClr val="7030A0"/>
